--- a/CSE499B/CSE499B_Design_Presentation.pptx
+++ b/CSE499B/CSE499B_Design_Presentation.pptx
@@ -24,7 +24,7 @@
       <p:bold r:id="rId10"/>
     </p:embeddedFont>
     <p:embeddedFont>
-      <p:font typeface="Manrope" panose="020B0604020202020204" charset="0"/>
+      <p:font typeface="Manrope" pitchFamily="2" charset="0"/>
       <p:regular r:id="rId11"/>
       <p:bold r:id="rId12"/>
     </p:embeddedFont>
@@ -6030,14 +6030,103 @@
         </p:blipFill>
         <p:spPr>
           <a:xfrm>
-            <a:off x="1890427" y="1648409"/>
-            <a:ext cx="4395820" cy="2902330"/>
+            <a:off x="881515" y="2052763"/>
+            <a:ext cx="3370436" cy="2225323"/>
           </a:xfrm>
           <a:prstGeom prst="rect">
             <a:avLst/>
           </a:prstGeom>
         </p:spPr>
       </p:pic>
+      <p:sp>
+        <p:nvSpPr>
+          <p:cNvPr id="4" name="TextBox 3">
+            <a:extLst>
+              <a:ext uri="{FF2B5EF4-FFF2-40B4-BE49-F238E27FC236}">
+                <a16:creationId xmlns:a16="http://schemas.microsoft.com/office/drawing/2014/main" id="{7A508D8F-8836-7147-BBF7-0E429D1C8D71}"/>
+              </a:ext>
+            </a:extLst>
+          </p:cNvPr>
+          <p:cNvSpPr txBox="1"/>
+          <p:nvPr/>
+        </p:nvSpPr>
+        <p:spPr>
+          <a:xfrm>
+            <a:off x="809875" y="1648409"/>
+            <a:ext cx="3278462" cy="307777"/>
+          </a:xfrm>
+          <a:prstGeom prst="rect">
+            <a:avLst/>
+          </a:prstGeom>
+          <a:noFill/>
+        </p:spPr>
+        <p:txBody>
+          <a:bodyPr wrap="none" rtlCol="0">
+            <a:spAutoFit/>
+          </a:bodyPr>
+          <a:lstStyle/>
+          <a:p>
+            <a:r>
+              <a:rPr lang="en-GB" dirty="0">
+                <a:solidFill>
+                  <a:schemeClr val="bg1"/>
+                </a:solidFill>
+              </a:rPr>
+              <a:t>We can take a look at the graph below:</a:t>
+            </a:r>
+            <a:endParaRPr lang="en-BD" dirty="0">
+              <a:solidFill>
+                <a:schemeClr val="bg1"/>
+              </a:solidFill>
+            </a:endParaRPr>
+          </a:p>
+        </p:txBody>
+      </p:sp>
+      <p:sp>
+        <p:nvSpPr>
+          <p:cNvPr id="6" name="TextBox 5">
+            <a:extLst>
+              <a:ext uri="{FF2B5EF4-FFF2-40B4-BE49-F238E27FC236}">
+                <a16:creationId xmlns:a16="http://schemas.microsoft.com/office/drawing/2014/main" id="{49352040-7F89-E24B-8149-566250CEA495}"/>
+              </a:ext>
+            </a:extLst>
+          </p:cNvPr>
+          <p:cNvSpPr txBox="1"/>
+          <p:nvPr/>
+        </p:nvSpPr>
+        <p:spPr>
+          <a:xfrm>
+            <a:off x="4343400" y="2472926"/>
+            <a:ext cx="4702629" cy="1384995"/>
+          </a:xfrm>
+          <a:prstGeom prst="rect">
+            <a:avLst/>
+          </a:prstGeom>
+          <a:noFill/>
+        </p:spPr>
+        <p:txBody>
+          <a:bodyPr wrap="square" rtlCol="0">
+            <a:spAutoFit/>
+          </a:bodyPr>
+          <a:lstStyle/>
+          <a:p>
+            <a:pPr algn="just"/>
+            <a:r>
+              <a:rPr lang="en-GB" dirty="0">
+                <a:solidFill>
+                  <a:schemeClr val="bg1"/>
+                </a:solidFill>
+              </a:rPr>
+              <a:t>We need to create the student model, with the same architecture as the teacher but half the number of hidden layers. To do this, we simply need to use the configuration of the teacher model, which is a dictionary-like object that describes a Hugging Face model’s architecture</a:t>
+            </a:r>
+            <a:endParaRPr lang="en-BD" dirty="0">
+              <a:solidFill>
+                <a:schemeClr val="bg1"/>
+              </a:solidFill>
+            </a:endParaRPr>
+          </a:p>
+        </p:txBody>
+      </p:sp>
     </p:spTree>
     <p:extLst>
       <p:ext uri="{BB962C8B-B14F-4D97-AF65-F5344CB8AC3E}">
@@ -6104,7 +6193,7 @@
             </a:pPr>
             <a:r>
               <a:rPr lang="en" sz="2800" dirty="0"/>
-              <a:t>Thank you</a:t>
+              <a:t>Thank You</a:t>
             </a:r>
             <a:endParaRPr sz="2800" dirty="0"/>
           </a:p>
